--- a/presentation/Alfi_project3_subreddit_classification.pptx
+++ b/presentation/Alfi_project3_subreddit_classification.pptx
@@ -209,7 +209,7 @@
           <a:p>
             <a:fld id="{6E30A7A2-52CE-4CE8-B657-40A70FB231B9}" type="datetimeFigureOut">
               <a:rPr lang="en-US" smtClean="0"/>
-              <a:t>1/7/2024</a:t>
+              <a:t>1/8/2024</a:t>
             </a:fld>
             <a:endParaRPr lang="en-US"/>
           </a:p>
@@ -520,120 +520,6 @@
           <a:bodyPr/>
           <a:lstStyle/>
           <a:p>
-            <a:r>
-              <a:rPr lang="en-US" dirty="0" err="1"/>
-              <a:t>Chanllenges</a:t>
-            </a:r>
-            <a:r>
-              <a:rPr lang="en-US" dirty="0"/>
-              <a:t>: </a:t>
-            </a:r>
-          </a:p>
-          <a:p>
-            <a:pPr marL="171450" indent="-171450">
-              <a:buFontTx/>
-              <a:buChar char="-"/>
-            </a:pPr>
-            <a:r>
-              <a:rPr lang="en-US" dirty="0"/>
-              <a:t>human language has complicated structure and a lot of words should be investigated in the context of the sentence</a:t>
-            </a:r>
-          </a:p>
-          <a:p>
-            <a:pPr marL="171450" indent="-171450">
-              <a:buFontTx/>
-              <a:buChar char="-"/>
-            </a:pPr>
-            <a:r>
-              <a:rPr lang="en-US" dirty="0"/>
-              <a:t>Things are not separable by natures</a:t>
-            </a:r>
-          </a:p>
-          <a:p>
-            <a:pPr marL="0" indent="0">
-              <a:buFontTx/>
-              <a:buNone/>
-            </a:pPr>
-            <a:r>
-              <a:rPr lang="en-US" dirty="0"/>
-              <a:t>Why important:</a:t>
-            </a:r>
-          </a:p>
-          <a:p>
-            <a:pPr marL="171450" indent="-171450">
-              <a:buFontTx/>
-              <a:buChar char="-"/>
-            </a:pPr>
-            <a:r>
-              <a:rPr lang="en-US" dirty="0"/>
-              <a:t>Helps companies make informed and targeted decisions</a:t>
-            </a:r>
-          </a:p>
-          <a:p>
-            <a:pPr marL="171450" indent="-171450">
-              <a:buFontTx/>
-              <a:buChar char="-"/>
-            </a:pPr>
-            <a:r>
-              <a:rPr lang="en-US" dirty="0"/>
-              <a:t>Spam classifications</a:t>
-            </a:r>
-          </a:p>
-          <a:p>
-            <a:pPr marL="171450" indent="-171450">
-              <a:buFontTx/>
-              <a:buChar char="-"/>
-            </a:pPr>
-            <a:r>
-              <a:rPr lang="en-US" dirty="0"/>
-              <a:t>Virtual assistants</a:t>
-            </a:r>
-          </a:p>
-          <a:p>
-            <a:pPr marL="171450" indent="-171450">
-              <a:buFontTx/>
-              <a:buChar char="-"/>
-            </a:pPr>
-            <a:r>
-              <a:rPr lang="en-US" dirty="0"/>
-              <a:t>Urgency detection</a:t>
-            </a:r>
-          </a:p>
-          <a:p>
-            <a:pPr marL="171450" indent="-171450">
-              <a:buFontTx/>
-              <a:buChar char="-"/>
-            </a:pPr>
-            <a:r>
-              <a:rPr lang="en-US" dirty="0"/>
-              <a:t>Translation and summarization</a:t>
-            </a:r>
-          </a:p>
-          <a:p>
-            <a:pPr marL="0" indent="0">
-              <a:buFontTx/>
-              <a:buNone/>
-            </a:pPr>
-            <a:r>
-              <a:rPr lang="en-US" dirty="0"/>
-              <a:t>Who benefits?</a:t>
-            </a:r>
-          </a:p>
-          <a:p>
-            <a:pPr marL="0" indent="0">
-              <a:buFontTx/>
-              <a:buNone/>
-            </a:pPr>
-            <a:r>
-              <a:rPr lang="en-US" dirty="0"/>
-              <a:t>- Companies and service providers for services tailored to customers needs</a:t>
-            </a:r>
-          </a:p>
-          <a:p>
-            <a:pPr marL="0" indent="0">
-              <a:buFontTx/>
-              <a:buNone/>
-            </a:pPr>
             <a:endParaRPr lang="en-US" dirty="0"/>
           </a:p>
         </p:txBody>
@@ -655,7 +541,7 @@
           <a:p>
             <a:fld id="{6F46F3E5-81AC-4BBF-B598-2D70A9074D53}" type="slidenum">
               <a:rPr lang="en-US" smtClean="0"/>
-              <a:t>2</a:t>
+              <a:t>1</a:t>
             </a:fld>
             <a:endParaRPr lang="en-US"/>
           </a:p>
@@ -664,7 +550,7 @@
     </p:spTree>
     <p:extLst>
       <p:ext uri="{BB962C8B-B14F-4D97-AF65-F5344CB8AC3E}">
-        <p14:creationId xmlns:p14="http://schemas.microsoft.com/office/powerpoint/2010/main" val="1831211644"/>
+        <p14:creationId xmlns:p14="http://schemas.microsoft.com/office/powerpoint/2010/main" val="3899689142"/>
       </p:ext>
     </p:extLst>
   </p:cSld>
@@ -719,65 +605,119 @@
           <a:lstStyle/>
           <a:p>
             <a:r>
-              <a:rPr lang="en-US" b="0" i="0" dirty="0" err="1">
-                <a:solidFill>
-                  <a:srgbClr val="CCCCCC"/>
-                </a:solidFill>
-                <a:effectLst/>
-                <a:latin typeface="-apple-system"/>
-              </a:rPr>
-              <a:t>offmychest</a:t>
-            </a:r>
-            <a:r>
-              <a:rPr lang="en-US" b="0" i="0" dirty="0">
-                <a:solidFill>
-                  <a:srgbClr val="CCCCCC"/>
-                </a:solidFill>
-                <a:effectLst/>
-                <a:latin typeface="-apple-system"/>
-              </a:rPr>
-              <a:t> subreddit mostly contains listings about personal issues, emotional hardships, life problems, and also issues in peoples relationships. The subreddit usually does have a sad tone because people use it as a way to express their feelings, unburden some thoughts, or to confess about things. </a:t>
-            </a:r>
-            <a:r>
-              <a:rPr lang="en-US" b="0" i="0" dirty="0" err="1">
-                <a:solidFill>
-                  <a:srgbClr val="CCCCCC"/>
-                </a:solidFill>
-                <a:effectLst/>
-                <a:latin typeface="-apple-system"/>
-              </a:rPr>
-              <a:t>relationship_advice</a:t>
-            </a:r>
-            <a:r>
-              <a:rPr lang="en-US" b="0" i="0" dirty="0">
-                <a:solidFill>
-                  <a:srgbClr val="CCCCCC"/>
-                </a:solidFill>
-                <a:effectLst/>
-                <a:latin typeface="-apple-system"/>
-              </a:rPr>
-              <a:t> subreddit focuses more on relationships and the ups and downs in it. The reasons these two subreddits were used for our investigation is that while these two subreddits represent two topics that could be distinguishable from each other, they do have common points that could make the classification process challenging. Although </a:t>
-            </a:r>
-            <a:r>
-              <a:rPr lang="en-US" b="0" i="0" dirty="0" err="1">
-                <a:solidFill>
-                  <a:srgbClr val="CCCCCC"/>
-                </a:solidFill>
-                <a:effectLst/>
-                <a:latin typeface="-apple-system"/>
-              </a:rPr>
-              <a:t>offmychest</a:t>
-            </a:r>
-            <a:r>
-              <a:rPr lang="en-US" b="0" i="0" dirty="0">
-                <a:solidFill>
-                  <a:srgbClr val="CCCCCC"/>
-                </a:solidFill>
-                <a:effectLst/>
-                <a:latin typeface="-apple-system"/>
-              </a:rPr>
-              <a:t> includes a wide variety of subjects, it often includes topics which are related to relationship and the problems around it as well. This overlap can cause our model to struggle since we are mainly relying on the words that used in each listing and having a similar context in both subreddits results in the use of similar vocabularies.</a:t>
-            </a:r>
+              <a:rPr lang="en-US" dirty="0" err="1"/>
+              <a:t>Chanllenges</a:t>
+            </a:r>
+            <a:r>
+              <a:rPr lang="en-US" dirty="0"/>
+              <a:t>: </a:t>
+            </a:r>
+          </a:p>
+          <a:p>
+            <a:pPr marL="171450" indent="-171450">
+              <a:buFontTx/>
+              <a:buChar char="-"/>
+            </a:pPr>
+            <a:r>
+              <a:rPr lang="en-US" dirty="0"/>
+              <a:t>human language has complicated structure and a lot of words should be investigated in the context of the sentence</a:t>
+            </a:r>
+          </a:p>
+          <a:p>
+            <a:pPr marL="171450" indent="-171450">
+              <a:buFontTx/>
+              <a:buChar char="-"/>
+            </a:pPr>
+            <a:r>
+              <a:rPr lang="en-US" dirty="0"/>
+              <a:t>Things are not separable by natures</a:t>
+            </a:r>
+          </a:p>
+          <a:p>
+            <a:pPr marL="0" indent="0">
+              <a:buFontTx/>
+              <a:buNone/>
+            </a:pPr>
+            <a:r>
+              <a:rPr lang="en-US" dirty="0"/>
+              <a:t>Why important:</a:t>
+            </a:r>
+          </a:p>
+          <a:p>
+            <a:pPr marL="171450" indent="-171450">
+              <a:buFontTx/>
+              <a:buChar char="-"/>
+            </a:pPr>
+            <a:r>
+              <a:rPr lang="en-US" dirty="0"/>
+              <a:t>Helps companies make informed and targeted decisions</a:t>
+            </a:r>
+          </a:p>
+          <a:p>
+            <a:pPr marL="171450" indent="-171450">
+              <a:buFontTx/>
+              <a:buChar char="-"/>
+            </a:pPr>
+            <a:r>
+              <a:rPr lang="en-US" dirty="0"/>
+              <a:t>Spam classifications</a:t>
+            </a:r>
+          </a:p>
+          <a:p>
+            <a:pPr marL="171450" indent="-171450">
+              <a:buFontTx/>
+              <a:buChar char="-"/>
+            </a:pPr>
+            <a:r>
+              <a:rPr lang="en-US" dirty="0"/>
+              <a:t>Virtual assistants</a:t>
+            </a:r>
+          </a:p>
+          <a:p>
+            <a:pPr marL="171450" indent="-171450">
+              <a:buFontTx/>
+              <a:buChar char="-"/>
+            </a:pPr>
+            <a:r>
+              <a:rPr lang="en-US" dirty="0"/>
+              <a:t>Urgency detection</a:t>
+            </a:r>
+          </a:p>
+          <a:p>
+            <a:pPr marL="171450" indent="-171450">
+              <a:buFontTx/>
+              <a:buChar char="-"/>
+            </a:pPr>
+            <a:r>
+              <a:rPr lang="en-US" dirty="0"/>
+              <a:t>Translation and summarization</a:t>
+            </a:r>
+          </a:p>
+          <a:p>
+            <a:pPr marL="0" indent="0">
+              <a:buFontTx/>
+              <a:buNone/>
+            </a:pPr>
+            <a:r>
+              <a:rPr lang="en-US" dirty="0"/>
+              <a:t>Who benefits?</a:t>
+            </a:r>
+          </a:p>
+          <a:p>
+            <a:pPr marL="0" indent="0">
+              <a:buFontTx/>
+              <a:buNone/>
+            </a:pPr>
+            <a:r>
+              <a:rPr lang="en-US" dirty="0"/>
+              <a:t>- Companies and service providers for services tailored to customers needs</a:t>
+            </a:r>
+          </a:p>
+          <a:p>
+            <a:pPr marL="0" indent="0">
+              <a:buFontTx/>
+              <a:buNone/>
+            </a:pPr>
             <a:endParaRPr lang="en-US" dirty="0"/>
           </a:p>
         </p:txBody>
@@ -799,7 +739,7 @@
           <a:p>
             <a:fld id="{6F46F3E5-81AC-4BBF-B598-2D70A9074D53}" type="slidenum">
               <a:rPr lang="en-US" smtClean="0"/>
-              <a:t>4</a:t>
+              <a:t>2</a:t>
             </a:fld>
             <a:endParaRPr lang="en-US"/>
           </a:p>
@@ -808,7 +748,7 @@
     </p:spTree>
     <p:extLst>
       <p:ext uri="{BB962C8B-B14F-4D97-AF65-F5344CB8AC3E}">
-        <p14:creationId xmlns:p14="http://schemas.microsoft.com/office/powerpoint/2010/main" val="2208189301"/>
+        <p14:creationId xmlns:p14="http://schemas.microsoft.com/office/powerpoint/2010/main" val="1831211644"/>
       </p:ext>
     </p:extLst>
   </p:cSld>
@@ -862,6 +802,150 @@
           <a:bodyPr/>
           <a:lstStyle/>
           <a:p>
+            <a:r>
+              <a:rPr lang="en-US" b="0" i="0" dirty="0" err="1">
+                <a:solidFill>
+                  <a:srgbClr val="CCCCCC"/>
+                </a:solidFill>
+                <a:effectLst/>
+                <a:latin typeface="-apple-system"/>
+              </a:rPr>
+              <a:t>offmychest</a:t>
+            </a:r>
+            <a:r>
+              <a:rPr lang="en-US" b="0" i="0" dirty="0">
+                <a:solidFill>
+                  <a:srgbClr val="CCCCCC"/>
+                </a:solidFill>
+                <a:effectLst/>
+                <a:latin typeface="-apple-system"/>
+              </a:rPr>
+              <a:t> subreddit mostly contains listings about personal issues, emotional hardships, life problems, and also issues in peoples relationships. The subreddit usually does have a sad tone because people use it as a way to express their feelings, unburden some thoughts, or to confess about things. </a:t>
+            </a:r>
+            <a:r>
+              <a:rPr lang="en-US" b="0" i="0" dirty="0" err="1">
+                <a:solidFill>
+                  <a:srgbClr val="CCCCCC"/>
+                </a:solidFill>
+                <a:effectLst/>
+                <a:latin typeface="-apple-system"/>
+              </a:rPr>
+              <a:t>relationship_advice</a:t>
+            </a:r>
+            <a:r>
+              <a:rPr lang="en-US" b="0" i="0" dirty="0">
+                <a:solidFill>
+                  <a:srgbClr val="CCCCCC"/>
+                </a:solidFill>
+                <a:effectLst/>
+                <a:latin typeface="-apple-system"/>
+              </a:rPr>
+              <a:t> subreddit focuses more on relationships and the ups and downs in it. The reasons these two subreddits were used for our investigation is that while these two subreddits represent two topics that could be distinguishable from each other, they do have common points that could make the classification process challenging. Although </a:t>
+            </a:r>
+            <a:r>
+              <a:rPr lang="en-US" b="0" i="0" dirty="0" err="1">
+                <a:solidFill>
+                  <a:srgbClr val="CCCCCC"/>
+                </a:solidFill>
+                <a:effectLst/>
+                <a:latin typeface="-apple-system"/>
+              </a:rPr>
+              <a:t>offmychest</a:t>
+            </a:r>
+            <a:r>
+              <a:rPr lang="en-US" b="0" i="0" dirty="0">
+                <a:solidFill>
+                  <a:srgbClr val="CCCCCC"/>
+                </a:solidFill>
+                <a:effectLst/>
+                <a:latin typeface="-apple-system"/>
+              </a:rPr>
+              <a:t> includes a wide variety of subjects, it often includes topics which are related to relationship and the problems around it as well. This overlap can cause our model to struggle since we are mainly relying on the words that used in each listing and having a similar context in both subreddits results in the use of similar vocabularies.</a:t>
+            </a:r>
+            <a:endParaRPr lang="en-US" dirty="0"/>
+          </a:p>
+        </p:txBody>
+      </p:sp>
+      <p:sp>
+        <p:nvSpPr>
+          <p:cNvPr id="4" name="Slide Number Placeholder 3"/>
+          <p:cNvSpPr>
+            <a:spLocks noGrp="1"/>
+          </p:cNvSpPr>
+          <p:nvPr>
+            <p:ph type="sldNum" sz="quarter" idx="5"/>
+          </p:nvPr>
+        </p:nvSpPr>
+        <p:spPr/>
+        <p:txBody>
+          <a:bodyPr/>
+          <a:lstStyle/>
+          <a:p>
+            <a:fld id="{6F46F3E5-81AC-4BBF-B598-2D70A9074D53}" type="slidenum">
+              <a:rPr lang="en-US" smtClean="0"/>
+              <a:t>4</a:t>
+            </a:fld>
+            <a:endParaRPr lang="en-US"/>
+          </a:p>
+        </p:txBody>
+      </p:sp>
+    </p:spTree>
+    <p:extLst>
+      <p:ext uri="{BB962C8B-B14F-4D97-AF65-F5344CB8AC3E}">
+        <p14:creationId xmlns:p14="http://schemas.microsoft.com/office/powerpoint/2010/main" val="2208189301"/>
+      </p:ext>
+    </p:extLst>
+  </p:cSld>
+  <p:clrMapOvr>
+    <a:masterClrMapping/>
+  </p:clrMapOvr>
+</p:notes>
+</file>
+
+<file path=ppt/notesSlides/notesSlide4.xml><?xml version="1.0" encoding="utf-8"?>
+<p:notes xmlns:a="http://schemas.openxmlformats.org/drawingml/2006/main" xmlns:r="http://schemas.openxmlformats.org/officeDocument/2006/relationships" xmlns:p="http://schemas.openxmlformats.org/presentationml/2006/main">
+  <p:cSld>
+    <p:spTree>
+      <p:nvGrpSpPr>
+        <p:cNvPr id="1" name=""/>
+        <p:cNvGrpSpPr/>
+        <p:nvPr/>
+      </p:nvGrpSpPr>
+      <p:grpSpPr>
+        <a:xfrm>
+          <a:off x="0" y="0"/>
+          <a:ext cx="0" cy="0"/>
+          <a:chOff x="0" y="0"/>
+          <a:chExt cx="0" cy="0"/>
+        </a:xfrm>
+      </p:grpSpPr>
+      <p:sp>
+        <p:nvSpPr>
+          <p:cNvPr id="2" name="Slide Image Placeholder 1"/>
+          <p:cNvSpPr>
+            <a:spLocks noGrp="1" noRot="1" noChangeAspect="1"/>
+          </p:cNvSpPr>
+          <p:nvPr>
+            <p:ph type="sldImg"/>
+          </p:nvPr>
+        </p:nvSpPr>
+        <p:spPr/>
+      </p:sp>
+      <p:sp>
+        <p:nvSpPr>
+          <p:cNvPr id="3" name="Notes Placeholder 2"/>
+          <p:cNvSpPr>
+            <a:spLocks noGrp="1"/>
+          </p:cNvSpPr>
+          <p:nvPr>
+            <p:ph type="body" idx="1"/>
+          </p:nvPr>
+        </p:nvSpPr>
+        <p:spPr/>
+        <p:txBody>
+          <a:bodyPr/>
+          <a:lstStyle/>
+          <a:p>
             <a:endParaRPr lang="en-US" dirty="0"/>
           </a:p>
         </p:txBody>
@@ -902,7 +986,100 @@
 </p:notes>
 </file>
 
-<file path=ppt/notesSlides/notesSlide4.xml><?xml version="1.0" encoding="utf-8"?>
+<file path=ppt/notesSlides/notesSlide5.xml><?xml version="1.0" encoding="utf-8"?>
+<p:notes xmlns:a="http://schemas.openxmlformats.org/drawingml/2006/main" xmlns:r="http://schemas.openxmlformats.org/officeDocument/2006/relationships" xmlns:p="http://schemas.openxmlformats.org/presentationml/2006/main">
+  <p:cSld>
+    <p:spTree>
+      <p:nvGrpSpPr>
+        <p:cNvPr id="1" name=""/>
+        <p:cNvGrpSpPr/>
+        <p:nvPr/>
+      </p:nvGrpSpPr>
+      <p:grpSpPr>
+        <a:xfrm>
+          <a:off x="0" y="0"/>
+          <a:ext cx="0" cy="0"/>
+          <a:chOff x="0" y="0"/>
+          <a:chExt cx="0" cy="0"/>
+        </a:xfrm>
+      </p:grpSpPr>
+      <p:sp>
+        <p:nvSpPr>
+          <p:cNvPr id="2" name="Slide Image Placeholder 1"/>
+          <p:cNvSpPr>
+            <a:spLocks noGrp="1" noRot="1" noChangeAspect="1"/>
+          </p:cNvSpPr>
+          <p:nvPr>
+            <p:ph type="sldImg"/>
+          </p:nvPr>
+        </p:nvSpPr>
+        <p:spPr/>
+      </p:sp>
+      <p:sp>
+        <p:nvSpPr>
+          <p:cNvPr id="3" name="Notes Placeholder 2"/>
+          <p:cNvSpPr>
+            <a:spLocks noGrp="1"/>
+          </p:cNvSpPr>
+          <p:nvPr>
+            <p:ph type="body" idx="1"/>
+          </p:nvPr>
+        </p:nvSpPr>
+        <p:spPr/>
+        <p:txBody>
+          <a:bodyPr/>
+          <a:lstStyle/>
+          <a:p>
+            <a:r>
+              <a:rPr lang="en-US" dirty="0"/>
+              <a:t>Our data are quite balanced </a:t>
+            </a:r>
+          </a:p>
+          <a:p>
+            <a:r>
+              <a:rPr lang="en-US" dirty="0"/>
+              <a:t>There is no preferences on which category carries a higher weight for us</a:t>
+            </a:r>
+          </a:p>
+        </p:txBody>
+      </p:sp>
+      <p:sp>
+        <p:nvSpPr>
+          <p:cNvPr id="4" name="Slide Number Placeholder 3"/>
+          <p:cNvSpPr>
+            <a:spLocks noGrp="1"/>
+          </p:cNvSpPr>
+          <p:nvPr>
+            <p:ph type="sldNum" sz="quarter" idx="5"/>
+          </p:nvPr>
+        </p:nvSpPr>
+        <p:spPr/>
+        <p:txBody>
+          <a:bodyPr/>
+          <a:lstStyle/>
+          <a:p>
+            <a:fld id="{6F46F3E5-81AC-4BBF-B598-2D70A9074D53}" type="slidenum">
+              <a:rPr lang="en-US" smtClean="0"/>
+              <a:t>9</a:t>
+            </a:fld>
+            <a:endParaRPr lang="en-US"/>
+          </a:p>
+        </p:txBody>
+      </p:sp>
+    </p:spTree>
+    <p:extLst>
+      <p:ext uri="{BB962C8B-B14F-4D97-AF65-F5344CB8AC3E}">
+        <p14:creationId xmlns:p14="http://schemas.microsoft.com/office/powerpoint/2010/main" val="1699735054"/>
+      </p:ext>
+    </p:extLst>
+  </p:cSld>
+  <p:clrMapOvr>
+    <a:masterClrMapping/>
+  </p:clrMapOvr>
+</p:notes>
+</file>
+
+<file path=ppt/notesSlides/notesSlide6.xml><?xml version="1.0" encoding="utf-8"?>
 <p:notes xmlns:a="http://schemas.openxmlformats.org/drawingml/2006/main" xmlns:r="http://schemas.openxmlformats.org/officeDocument/2006/relationships" xmlns:p="http://schemas.openxmlformats.org/presentationml/2006/main">
   <p:cSld>
     <p:spTree>
@@ -1141,7 +1318,7 @@
           <a:p>
             <a:fld id="{28515CD9-97C9-49C1-A5B1-21503189006A}" type="datetime1">
               <a:rPr lang="en-US" smtClean="0"/>
-              <a:t>1/7/2024</a:t>
+              <a:t>1/8/2024</a:t>
             </a:fld>
             <a:endParaRPr lang="en-US"/>
           </a:p>
@@ -1357,7 +1534,7 @@
           <a:p>
             <a:fld id="{73EA1A55-A2A1-45E2-8CEB-D1C552E44D9A}" type="datetime1">
               <a:rPr lang="en-US" smtClean="0"/>
-              <a:t>1/7/2024</a:t>
+              <a:t>1/8/2024</a:t>
             </a:fld>
             <a:endParaRPr lang="en-US"/>
           </a:p>
@@ -1573,7 +1750,7 @@
           <a:p>
             <a:fld id="{AC2CB45A-4195-43DA-8C1C-064DDEFF2502}" type="datetime1">
               <a:rPr lang="en-US" smtClean="0"/>
-              <a:t>1/7/2024</a:t>
+              <a:t>1/8/2024</a:t>
             </a:fld>
             <a:endParaRPr lang="en-US"/>
           </a:p>
@@ -1779,7 +1956,7 @@
           <a:p>
             <a:fld id="{09DA1DB0-489B-48E6-AA99-DE8C4D4FCDAF}" type="datetime1">
               <a:rPr lang="en-US" smtClean="0"/>
-              <a:t>1/7/2024</a:t>
+              <a:t>1/8/2024</a:t>
             </a:fld>
             <a:endParaRPr lang="en-US"/>
           </a:p>
@@ -2118,7 +2295,7 @@
           <a:p>
             <a:fld id="{A12BBF15-A238-4E70-A2A1-0646428A4C3F}" type="datetime1">
               <a:rPr lang="en-US" smtClean="0"/>
-              <a:t>1/7/2024</a:t>
+              <a:t>1/8/2024</a:t>
             </a:fld>
             <a:endParaRPr lang="en-US"/>
           </a:p>
@@ -2391,7 +2568,7 @@
           <a:p>
             <a:fld id="{9061937D-3576-431B-8C73-EBAB07650A69}" type="datetime1">
               <a:rPr lang="en-US" smtClean="0"/>
-              <a:t>1/7/2024</a:t>
+              <a:t>1/8/2024</a:t>
             </a:fld>
             <a:endParaRPr lang="en-US"/>
           </a:p>
@@ -2811,7 +2988,7 @@
           <a:p>
             <a:fld id="{9C567DAD-EF13-4428-87F1-2899EF766A1C}" type="datetime1">
               <a:rPr lang="en-US" smtClean="0"/>
-              <a:t>1/7/2024</a:t>
+              <a:t>1/8/2024</a:t>
             </a:fld>
             <a:endParaRPr lang="en-US"/>
           </a:p>
@@ -2960,7 +3137,7 @@
           <a:p>
             <a:fld id="{74E58CF1-9BB5-4908-8A13-8771ECA9D405}" type="datetime1">
               <a:rPr lang="en-US" smtClean="0"/>
-              <a:t>1/7/2024</a:t>
+              <a:t>1/8/2024</a:t>
             </a:fld>
             <a:endParaRPr lang="en-US"/>
           </a:p>
@@ -3081,7 +3258,7 @@
           <a:p>
             <a:fld id="{AFB4F9FC-3C49-488C-AA0D-38862CCD3566}" type="datetime1">
               <a:rPr lang="en-US" smtClean="0"/>
-              <a:t>1/7/2024</a:t>
+              <a:t>1/8/2024</a:t>
             </a:fld>
             <a:endParaRPr lang="en-US"/>
           </a:p>
@@ -3400,7 +3577,7 @@
           <a:p>
             <a:fld id="{19476F94-04D8-421F-BA91-B8748BBA9F9D}" type="datetime1">
               <a:rPr lang="en-US" smtClean="0"/>
-              <a:t>1/7/2024</a:t>
+              <a:t>1/8/2024</a:t>
             </a:fld>
             <a:endParaRPr lang="en-US"/>
           </a:p>
@@ -3696,7 +3873,7 @@
           <a:p>
             <a:fld id="{A632965D-DE1B-417B-B68C-9E1E7BBD559A}" type="datetime1">
               <a:rPr lang="en-US" smtClean="0"/>
-              <a:t>1/7/2024</a:t>
+              <a:t>1/8/2024</a:t>
             </a:fld>
             <a:endParaRPr lang="en-US"/>
           </a:p>
@@ -4379,13 +4556,23 @@
           </a:xfrm>
         </p:spPr>
         <p:txBody>
-          <a:bodyPr/>
+          <a:bodyPr>
+            <a:normAutofit fontScale="90000"/>
+          </a:bodyPr>
           <a:lstStyle/>
           <a:p>
             <a:r>
               <a:rPr lang="en-US" dirty="0"/>
               <a:t>Reddit listing classification</a:t>
             </a:r>
+            <a:br>
+              <a:rPr lang="en-US" dirty="0"/>
+            </a:br>
+            <a:r>
+              <a:rPr lang="en-US" sz="3600" dirty="0"/>
+              <a:t>focus on emotional listings</a:t>
+            </a:r>
+            <a:endParaRPr lang="en-US" dirty="0"/>
           </a:p>
         </p:txBody>
       </p:sp>
@@ -5819,7 +6006,7 @@
           <a:p>
             <a:r>
               <a:rPr lang="en-US" dirty="0"/>
-              <a:t>Imbalance classes pose challenges for our classifiers. </a:t>
+              <a:t>Imbalanced classes pose challenges for our classifiers. </a:t>
             </a:r>
           </a:p>
           <a:p>
